--- a/final presentation.pptx
+++ b/final presentation.pptx
@@ -5,25 +5,24 @@
     <p:sldMasterId id="2147483804" r:id="rId1"/>
   </p:sldMasterIdLst>
   <p:notesMasterIdLst>
-    <p:notesMasterId r:id="rId18"/>
+    <p:notesMasterId r:id="rId17"/>
   </p:notesMasterIdLst>
   <p:sldIdLst>
     <p:sldId id="256" r:id="rId2"/>
     <p:sldId id="260" r:id="rId3"/>
-    <p:sldId id="259" r:id="rId4"/>
-    <p:sldId id="261" r:id="rId5"/>
-    <p:sldId id="262" r:id="rId6"/>
-    <p:sldId id="269" r:id="rId7"/>
-    <p:sldId id="275" r:id="rId8"/>
-    <p:sldId id="263" r:id="rId9"/>
-    <p:sldId id="264" r:id="rId10"/>
-    <p:sldId id="265" r:id="rId11"/>
-    <p:sldId id="266" r:id="rId12"/>
-    <p:sldId id="276" r:id="rId13"/>
-    <p:sldId id="277" r:id="rId14"/>
-    <p:sldId id="268" r:id="rId15"/>
-    <p:sldId id="271" r:id="rId16"/>
-    <p:sldId id="274" r:id="rId17"/>
+    <p:sldId id="261" r:id="rId4"/>
+    <p:sldId id="262" r:id="rId5"/>
+    <p:sldId id="269" r:id="rId6"/>
+    <p:sldId id="275" r:id="rId7"/>
+    <p:sldId id="263" r:id="rId8"/>
+    <p:sldId id="264" r:id="rId9"/>
+    <p:sldId id="265" r:id="rId10"/>
+    <p:sldId id="266" r:id="rId11"/>
+    <p:sldId id="276" r:id="rId12"/>
+    <p:sldId id="277" r:id="rId13"/>
+    <p:sldId id="268" r:id="rId14"/>
+    <p:sldId id="271" r:id="rId15"/>
+    <p:sldId id="274" r:id="rId16"/>
   </p:sldIdLst>
   <p:sldSz cx="9144000" cy="6858000" type="screen4x3"/>
   <p:notesSz cx="6858000" cy="9144000"/>
@@ -2392,11 +2391,7 @@
           </a:r>
           <a:r>
             <a:rPr lang="en-US" smtClean="0"/>
-            <a:t>BSSE </a:t>
-          </a:r>
-          <a:r>
-            <a:rPr lang="en-US" smtClean="0"/>
-            <a:t>first year </a:t>
+            <a:t>BSSE first year </a:t>
           </a:r>
           <a:r>
             <a:rPr lang="en-US" dirty="0" smtClean="0"/>
@@ -2865,7 +2860,11 @@
         <a:p>
           <a:r>
             <a:rPr lang="en-US" dirty="0" smtClean="0"/>
-            <a:t>Programmer  deanonymization</a:t>
+            <a:t>Programmer  </a:t>
+          </a:r>
+          <a:r>
+            <a:rPr lang="en-US" dirty="0" err="1" smtClean="0"/>
+            <a:t>deanonymization</a:t>
           </a:r>
           <a:endParaRPr lang="en-US" dirty="0"/>
         </a:p>
@@ -3061,11 +3060,7 @@
           </a:r>
           <a:r>
             <a:rPr lang="en-US" sz="2400" kern="1200" smtClean="0"/>
-            <a:t>BSSE </a:t>
-          </a:r>
-          <a:r>
-            <a:rPr lang="en-US" sz="2400" kern="1200" smtClean="0"/>
-            <a:t>first year </a:t>
+            <a:t>BSSE first year </a:t>
           </a:r>
           <a:r>
             <a:rPr lang="en-US" sz="2400" kern="1200" dirty="0" smtClean="0"/>
@@ -3642,7 +3637,11 @@
           </a:pPr>
           <a:r>
             <a:rPr lang="en-US" sz="2100" kern="1200" dirty="0" smtClean="0"/>
-            <a:t>Programmer  deanonymization</a:t>
+            <a:t>Programmer  </a:t>
+          </a:r>
+          <a:r>
+            <a:rPr lang="en-US" sz="2100" kern="1200" dirty="0" err="1" smtClean="0"/>
+            <a:t>deanonymization</a:t>
           </a:r>
           <a:endParaRPr lang="en-US" sz="2100" kern="1200" dirty="0"/>
         </a:p>
@@ -7652,7 +7651,7 @@
           <a:p>
             <a:fld id="{37E1E870-19A8-4E29-A48E-5A205803AF0D}" type="datetimeFigureOut">
               <a:rPr lang="en-US" smtClean="0"/>
-              <a:t>27-May-19</a:t>
+              <a:t>29-May-19</a:t>
             </a:fld>
             <a:endParaRPr lang="en-US" dirty="0"/>
           </a:p>
@@ -8054,7 +8053,7 @@
           <a:p>
             <a:fld id="{4E794F50-0168-4987-89D8-7261E4E0EDF2}" type="datetime1">
               <a:rPr lang="en-US" smtClean="0"/>
-              <a:t>27-May-19</a:t>
+              <a:t>29-May-19</a:t>
             </a:fld>
             <a:endParaRPr lang="en-US" dirty="0"/>
           </a:p>
@@ -8367,7 +8366,7 @@
           <a:p>
             <a:fld id="{34D5ABD9-B986-4253-B99C-035330731FE8}" type="datetime1">
               <a:rPr lang="en-US" smtClean="0"/>
-              <a:t>27-May-19</a:t>
+              <a:t>29-May-19</a:t>
             </a:fld>
             <a:endParaRPr lang="en-US" dirty="0"/>
           </a:p>
@@ -8552,7 +8551,7 @@
           <a:p>
             <a:fld id="{B6D80936-F81E-4829-97F7-5F0F2EEA7BA6}" type="datetime1">
               <a:rPr lang="en-US" smtClean="0"/>
-              <a:t>27-May-19</a:t>
+              <a:t>29-May-19</a:t>
             </a:fld>
             <a:endParaRPr lang="en-US" dirty="0"/>
           </a:p>
@@ -8727,7 +8726,7 @@
           <a:p>
             <a:fld id="{EECEC6B6-8FFD-40A9-8392-A276E6CBFABB}" type="datetime1">
               <a:rPr lang="en-US" smtClean="0"/>
-              <a:t>27-May-19</a:t>
+              <a:t>29-May-19</a:t>
             </a:fld>
             <a:endParaRPr lang="en-US" dirty="0"/>
           </a:p>
@@ -8995,7 +8994,7 @@
           <a:p>
             <a:fld id="{801E620E-1F44-4F1D-B9EF-973173657CFD}" type="datetime1">
               <a:rPr lang="en-US" smtClean="0"/>
-              <a:t>27-May-19</a:t>
+              <a:t>29-May-19</a:t>
             </a:fld>
             <a:endParaRPr lang="en-US" dirty="0"/>
           </a:p>
@@ -9463,7 +9462,7 @@
           <a:p>
             <a:fld id="{A12043E0-BC1C-468F-A0DF-92CE0600B6D2}" type="datetime1">
               <a:rPr lang="en-US" smtClean="0"/>
-              <a:t>27-May-19</a:t>
+              <a:t>29-May-19</a:t>
             </a:fld>
             <a:endParaRPr lang="en-US" dirty="0"/>
           </a:p>
@@ -9952,7 +9951,7 @@
           <a:p>
             <a:fld id="{1522712A-D1E1-4D4F-9A0D-E04A126BDF00}" type="datetime1">
               <a:rPr lang="en-US" smtClean="0"/>
-              <a:t>27-May-19</a:t>
+              <a:t>29-May-19</a:t>
             </a:fld>
             <a:endParaRPr lang="en-US" dirty="0"/>
           </a:p>
@@ -10078,7 +10077,7 @@
           <a:p>
             <a:fld id="{22BC5BE7-E4D9-48E0-971F-0A3AF221B58B}" type="datetime1">
               <a:rPr lang="en-US" smtClean="0"/>
-              <a:t>27-May-19</a:t>
+              <a:t>29-May-19</a:t>
             </a:fld>
             <a:endParaRPr lang="en-US" dirty="0"/>
           </a:p>
@@ -10222,7 +10221,7 @@
           <a:p>
             <a:fld id="{FB5E73AE-1953-4F16-962E-F0E00E83371C}" type="datetime1">
               <a:rPr lang="en-US" smtClean="0"/>
-              <a:t>27-May-19</a:t>
+              <a:t>29-May-19</a:t>
             </a:fld>
             <a:endParaRPr lang="en-US" dirty="0"/>
           </a:p>
@@ -10544,7 +10543,7 @@
           <a:p>
             <a:fld id="{52EBCD7F-6D22-41E2-AF08-9E1D56B15979}" type="datetime1">
               <a:rPr lang="en-US" smtClean="0"/>
-              <a:t>27-May-19</a:t>
+              <a:t>29-May-19</a:t>
             </a:fld>
             <a:endParaRPr lang="en-US" dirty="0"/>
           </a:p>
@@ -10678,7 +10677,7 @@
           <a:p>
             <a:fld id="{743EF8EA-7647-40CF-91F0-72B9CC0EAA85}" type="datetime1">
               <a:rPr lang="en-US" smtClean="0"/>
-              <a:t>27-May-19</a:t>
+              <a:t>29-May-19</a:t>
             </a:fld>
             <a:endParaRPr lang="en-US" dirty="0"/>
           </a:p>
@@ -11459,7 +11458,7 @@
           <a:p>
             <a:fld id="{6BF71E9B-009A-47B3-8E98-E02955BC30B3}" type="datetime1">
               <a:rPr lang="en-US" smtClean="0"/>
-              <a:t>27-May-19</a:t>
+              <a:t>29-May-19</a:t>
             </a:fld>
             <a:endParaRPr lang="en-US" dirty="0"/>
           </a:p>
@@ -12004,7 +12003,15 @@
             <a:pPr algn="ctr"/>
             <a:r>
               <a:rPr lang="en-US" dirty="0" smtClean="0"/>
-              <a:t>Programmer  deanonymization  using  code  stylometry</a:t>
+              <a:t>Programmer  </a:t>
+            </a:r>
+            <a:r>
+              <a:rPr lang="en-US" dirty="0" err="1" smtClean="0"/>
+              <a:t>deanonymization</a:t>
+            </a:r>
+            <a:r>
+              <a:rPr lang="en-US" dirty="0" smtClean="0"/>
+              <a:t>  using  code  stylometry</a:t>
             </a:r>
             <a:endParaRPr lang="en-US" dirty="0"/>
           </a:p>
@@ -12164,222 +12171,7 @@
             <a:pPr algn="ctr"/>
             <a:r>
               <a:rPr lang="en-US" dirty="0" smtClean="0"/>
-              <a:t>Feature set</a:t>
-            </a:r>
-            <a:endParaRPr lang="en-US" dirty="0"/>
-          </a:p>
-        </p:txBody>
-      </p:sp>
-      <p:sp>
-        <p:nvSpPr>
-          <p:cNvPr id="4" name="Slide Number Placeholder 3"/>
-          <p:cNvSpPr>
-            <a:spLocks noGrp="1"/>
-          </p:cNvSpPr>
-          <p:nvPr>
-            <p:ph type="sldNum" sz="quarter" idx="12"/>
-          </p:nvPr>
-        </p:nvSpPr>
-        <p:spPr/>
-        <p:txBody>
-          <a:bodyPr/>
-          <a:lstStyle/>
-          <a:p>
-            <a:fld id="{DB335474-1B1A-43B1-8350-506F2BC0CC50}" type="slidenum">
-              <a:rPr lang="en-US" smtClean="0"/>
-              <a:t>10</a:t>
-            </a:fld>
-            <a:endParaRPr lang="en-US" dirty="0"/>
-          </a:p>
-        </p:txBody>
-      </p:sp>
-      <p:sp>
-        <p:nvSpPr>
-          <p:cNvPr id="3" name="TextBox 2"/>
-          <p:cNvSpPr txBox="1"/>
-          <p:nvPr/>
-        </p:nvSpPr>
-        <p:spPr>
-          <a:xfrm>
-            <a:off x="3657600" y="3048000"/>
-            <a:ext cx="2514600" cy="523220"/>
-          </a:xfrm>
-          <a:prstGeom prst="rect">
-            <a:avLst/>
-          </a:prstGeom>
-          <a:noFill/>
-        </p:spPr>
-        <p:txBody>
-          <a:bodyPr wrap="square" rtlCol="0">
-            <a:spAutoFit/>
-          </a:bodyPr>
-          <a:lstStyle/>
-          <a:p>
-            <a:pPr algn="ctr"/>
-            <a:r>
-              <a:rPr lang="en-US" sz="2800" dirty="0"/>
-              <a:t>8</a:t>
-            </a:r>
-            <a:r>
-              <a:rPr lang="en-US" sz="2800" dirty="0" smtClean="0"/>
-              <a:t> spaces</a:t>
-            </a:r>
-            <a:endParaRPr lang="en-US" sz="2800" dirty="0"/>
-          </a:p>
-        </p:txBody>
-      </p:sp>
-      <p:sp>
-        <p:nvSpPr>
-          <p:cNvPr id="9" name="TextBox 8"/>
-          <p:cNvSpPr txBox="1"/>
-          <p:nvPr/>
-        </p:nvSpPr>
-        <p:spPr>
-          <a:xfrm>
-            <a:off x="3657600" y="4953000"/>
-            <a:ext cx="2514600" cy="523220"/>
-          </a:xfrm>
-          <a:prstGeom prst="rect">
-            <a:avLst/>
-          </a:prstGeom>
-          <a:noFill/>
-        </p:spPr>
-        <p:txBody>
-          <a:bodyPr wrap="square" rtlCol="0">
-            <a:spAutoFit/>
-          </a:bodyPr>
-          <a:lstStyle/>
-          <a:p>
-            <a:pPr algn="ctr"/>
-            <a:r>
-              <a:rPr lang="en-US" sz="2800" dirty="0" smtClean="0"/>
-              <a:t>3 spaces</a:t>
-            </a:r>
-            <a:endParaRPr lang="en-US" sz="2800" dirty="0"/>
-          </a:p>
-        </p:txBody>
-      </p:sp>
-      <p:pic>
-        <p:nvPicPr>
-          <p:cNvPr id="5" name="Picture 4"/>
-          <p:cNvPicPr>
-            <a:picLocks noChangeAspect="1"/>
-          </p:cNvPicPr>
-          <p:nvPr/>
-        </p:nvPicPr>
-        <p:blipFill>
-          <a:blip r:embed="rId2">
-            <a:extLst>
-              <a:ext uri="{28A0092B-C50C-407E-A947-70E740481C1C}">
-                <a14:useLocalDpi xmlns:a14="http://schemas.microsoft.com/office/drawing/2010/main" val="0"/>
-              </a:ext>
-            </a:extLst>
-          </a:blip>
-          <a:stretch>
-            <a:fillRect/>
-          </a:stretch>
-        </p:blipFill>
-        <p:spPr>
-          <a:xfrm>
-            <a:off x="1447800" y="2438400"/>
-            <a:ext cx="6558838" cy="609600"/>
-          </a:xfrm>
-          <a:prstGeom prst="rect">
-            <a:avLst/>
-          </a:prstGeom>
-        </p:spPr>
-      </p:pic>
-      <p:pic>
-        <p:nvPicPr>
-          <p:cNvPr id="10" name="Picture 9"/>
-          <p:cNvPicPr>
-            <a:picLocks noChangeAspect="1"/>
-          </p:cNvPicPr>
-          <p:nvPr/>
-        </p:nvPicPr>
-        <p:blipFill>
-          <a:blip r:embed="rId3">
-            <a:extLst>
-              <a:ext uri="{28A0092B-C50C-407E-A947-70E740481C1C}">
-                <a14:useLocalDpi xmlns:a14="http://schemas.microsoft.com/office/drawing/2010/main" val="0"/>
-              </a:ext>
-            </a:extLst>
-          </a:blip>
-          <a:stretch>
-            <a:fillRect/>
-          </a:stretch>
-        </p:blipFill>
-        <p:spPr>
-          <a:xfrm>
-            <a:off x="1447800" y="4343400"/>
-            <a:ext cx="5264726" cy="609600"/>
-          </a:xfrm>
-          <a:prstGeom prst="rect">
-            <a:avLst/>
-          </a:prstGeom>
-        </p:spPr>
-      </p:pic>
-    </p:spTree>
-    <p:extLst>
-      <p:ext uri="{BB962C8B-B14F-4D97-AF65-F5344CB8AC3E}">
-        <p14:creationId xmlns:p14="http://schemas.microsoft.com/office/powerpoint/2010/main" val="441802193"/>
-      </p:ext>
-    </p:extLst>
-  </p:cSld>
-  <p:clrMapOvr>
-    <a:masterClrMapping/>
-  </p:clrMapOvr>
-  <p:timing>
-    <p:tnLst>
-      <p:par>
-        <p:cTn id="1" dur="indefinite" restart="never" nodeType="tmRoot"/>
-      </p:par>
-    </p:tnLst>
-  </p:timing>
-</p:sld>
-</file>
-
-<file path=ppt/slides/slide11.xml><?xml version="1.0" encoding="utf-8"?>
-<p:sld xmlns:a="http://schemas.openxmlformats.org/drawingml/2006/main" xmlns:r="http://schemas.openxmlformats.org/officeDocument/2006/relationships" xmlns:p="http://schemas.openxmlformats.org/presentationml/2006/main">
-  <p:cSld>
-    <p:spTree>
-      <p:nvGrpSpPr>
-        <p:cNvPr id="1" name=""/>
-        <p:cNvGrpSpPr/>
-        <p:nvPr/>
-      </p:nvGrpSpPr>
-      <p:grpSpPr>
-        <a:xfrm>
-          <a:off x="0" y="0"/>
-          <a:ext cx="0" cy="0"/>
-          <a:chOff x="0" y="0"/>
-          <a:chExt cx="0" cy="0"/>
-        </a:xfrm>
-      </p:grpSpPr>
-      <p:sp>
-        <p:nvSpPr>
-          <p:cNvPr id="2" name="Title 1"/>
-          <p:cNvSpPr>
-            <a:spLocks noGrp="1"/>
-          </p:cNvSpPr>
-          <p:nvPr>
-            <p:ph type="title"/>
-          </p:nvPr>
-        </p:nvSpPr>
-        <p:spPr>
-          <a:xfrm>
-            <a:off x="304800" y="228600"/>
-            <a:ext cx="8686800" cy="838200"/>
-          </a:xfrm>
-        </p:spPr>
-        <p:txBody>
-          <a:bodyPr/>
-          <a:lstStyle/>
-          <a:p>
-            <a:pPr algn="ctr"/>
-            <a:r>
-              <a:rPr lang="en-US" dirty="0" smtClean="0"/>
-              <a:t>Feature set</a:t>
+              <a:t>Indentation</a:t>
             </a:r>
             <a:endParaRPr lang="en-US" dirty="0"/>
           </a:p>
@@ -12431,7 +12223,7 @@
           <a:p>
             <a:fld id="{DB335474-1B1A-43B1-8350-506F2BC0CC50}" type="slidenum">
               <a:rPr lang="en-US" smtClean="0"/>
-              <a:t>11</a:t>
+              <a:t>10</a:t>
             </a:fld>
             <a:endParaRPr lang="en-US" dirty="0"/>
           </a:p>
@@ -12550,7 +12342,7 @@
 </p:sld>
 </file>
 
-<file path=ppt/slides/slide12.xml><?xml version="1.0" encoding="utf-8"?>
+<file path=ppt/slides/slide11.xml><?xml version="1.0" encoding="utf-8"?>
 <p:sld xmlns:a="http://schemas.openxmlformats.org/drawingml/2006/main" xmlns:r="http://schemas.openxmlformats.org/officeDocument/2006/relationships" xmlns:p="http://schemas.openxmlformats.org/presentationml/2006/main">
   <p:cSld>
     <p:spTree>
@@ -12589,11 +12381,11 @@
           <a:p>
             <a:pPr algn="ctr"/>
             <a:r>
-              <a:rPr lang="en-US" dirty="0" err="1"/>
+              <a:rPr lang="en-US" dirty="0"/>
               <a:t>D</a:t>
             </a:r>
             <a:r>
-              <a:rPr lang="en-US" dirty="0" err="1" smtClean="0"/>
+              <a:rPr lang="en-US" dirty="0" smtClean="0"/>
               <a:t>eanonymization</a:t>
             </a:r>
             <a:endParaRPr lang="en-US" dirty="0"/>
@@ -12746,7 +12538,7 @@
           <a:p>
             <a:fld id="{DB335474-1B1A-43B1-8350-506F2BC0CC50}" type="slidenum">
               <a:rPr lang="en-US" smtClean="0"/>
-              <a:t>12</a:t>
+              <a:t>11</a:t>
             </a:fld>
             <a:endParaRPr lang="en-US" dirty="0"/>
           </a:p>
@@ -12765,7 +12557,7 @@
 </p:sld>
 </file>
 
-<file path=ppt/slides/slide13.xml><?xml version="1.0" encoding="utf-8"?>
+<file path=ppt/slides/slide12.xml><?xml version="1.0" encoding="utf-8"?>
 <p:sld xmlns:a="http://schemas.openxmlformats.org/drawingml/2006/main" xmlns:r="http://schemas.openxmlformats.org/officeDocument/2006/relationships" xmlns:p="http://schemas.openxmlformats.org/presentationml/2006/main">
   <p:cSld>
     <p:spTree>
@@ -12852,7 +12644,7 @@
           <a:p>
             <a:fld id="{DB335474-1B1A-43B1-8350-506F2BC0CC50}" type="slidenum">
               <a:rPr lang="en-US" smtClean="0"/>
-              <a:t>13</a:t>
+              <a:t>12</a:t>
             </a:fld>
             <a:endParaRPr lang="en-US" dirty="0"/>
           </a:p>
@@ -12868,6 +12660,283 @@
   <p:clrMapOvr>
     <a:masterClrMapping/>
   </p:clrMapOvr>
+</p:sld>
+</file>
+
+<file path=ppt/slides/slide13.xml><?xml version="1.0" encoding="utf-8"?>
+<p:sld xmlns:a="http://schemas.openxmlformats.org/drawingml/2006/main" xmlns:r="http://schemas.openxmlformats.org/officeDocument/2006/relationships" xmlns:p="http://schemas.openxmlformats.org/presentationml/2006/main">
+  <p:cSld>
+    <p:spTree>
+      <p:nvGrpSpPr>
+        <p:cNvPr id="1" name=""/>
+        <p:cNvGrpSpPr/>
+        <p:nvPr/>
+      </p:nvGrpSpPr>
+      <p:grpSpPr>
+        <a:xfrm>
+          <a:off x="0" y="0"/>
+          <a:ext cx="0" cy="0"/>
+          <a:chOff x="0" y="0"/>
+          <a:chExt cx="0" cy="0"/>
+        </a:xfrm>
+      </p:grpSpPr>
+      <p:sp>
+        <p:nvSpPr>
+          <p:cNvPr id="2" name="Title 1"/>
+          <p:cNvSpPr>
+            <a:spLocks noGrp="1"/>
+          </p:cNvSpPr>
+          <p:nvPr>
+            <p:ph type="title"/>
+          </p:nvPr>
+        </p:nvSpPr>
+        <p:spPr>
+          <a:xfrm>
+            <a:off x="304800" y="228600"/>
+            <a:ext cx="8686800" cy="838200"/>
+          </a:xfrm>
+        </p:spPr>
+        <p:txBody>
+          <a:bodyPr/>
+          <a:lstStyle/>
+          <a:p>
+            <a:pPr algn="ctr"/>
+            <a:r>
+              <a:rPr lang="en-US" dirty="0" smtClean="0"/>
+              <a:t>New </a:t>
+            </a:r>
+            <a:r>
+              <a:rPr lang="en-US" dirty="0" err="1" smtClean="0"/>
+              <a:t>Learnings</a:t>
+            </a:r>
+            <a:endParaRPr lang="en-US" dirty="0"/>
+          </a:p>
+        </p:txBody>
+      </p:sp>
+      <p:sp>
+        <p:nvSpPr>
+          <p:cNvPr id="3" name="Content Placeholder 2"/>
+          <p:cNvSpPr>
+            <a:spLocks noGrp="1"/>
+          </p:cNvSpPr>
+          <p:nvPr>
+            <p:ph idx="1"/>
+          </p:nvPr>
+        </p:nvSpPr>
+        <p:spPr>
+          <a:xfrm>
+            <a:off x="914400" y="1066800"/>
+            <a:ext cx="8686800" cy="5075238"/>
+          </a:xfrm>
+        </p:spPr>
+        <p:txBody>
+          <a:bodyPr>
+            <a:normAutofit fontScale="85000" lnSpcReduction="20000"/>
+          </a:bodyPr>
+          <a:lstStyle/>
+          <a:p>
+            <a:pPr marL="402336" lvl="1" indent="0">
+              <a:buNone/>
+            </a:pPr>
+            <a:endParaRPr lang="en-US" dirty="0"/>
+          </a:p>
+          <a:p>
+            <a:pPr lvl="1">
+              <a:buFont typeface="Wingdings" pitchFamily="2" charset="2"/>
+              <a:buChar char="q"/>
+            </a:pPr>
+            <a:r>
+              <a:rPr lang="en-US" dirty="0" smtClean="0"/>
+              <a:t>String manipulation</a:t>
+            </a:r>
+          </a:p>
+          <a:p>
+            <a:pPr lvl="1">
+              <a:buFont typeface="Wingdings" pitchFamily="2" charset="2"/>
+              <a:buChar char="q"/>
+            </a:pPr>
+            <a:endParaRPr lang="en-US" dirty="0"/>
+          </a:p>
+          <a:p>
+            <a:pPr lvl="1">
+              <a:buFont typeface="Wingdings" pitchFamily="2" charset="2"/>
+              <a:buChar char="q"/>
+            </a:pPr>
+            <a:r>
+              <a:rPr lang="en-US" dirty="0"/>
+              <a:t>Using user defined </a:t>
+            </a:r>
+            <a:r>
+              <a:rPr lang="en-US" dirty="0" smtClean="0"/>
+              <a:t>headers</a:t>
+            </a:r>
+            <a:endParaRPr lang="en-US" dirty="0" smtClean="0"/>
+          </a:p>
+          <a:p>
+            <a:pPr lvl="1">
+              <a:buFont typeface="Wingdings" pitchFamily="2" charset="2"/>
+              <a:buChar char="q"/>
+            </a:pPr>
+            <a:endParaRPr lang="en-US" dirty="0" smtClean="0"/>
+          </a:p>
+          <a:p>
+            <a:pPr lvl="1">
+              <a:buFont typeface="Wingdings" pitchFamily="2" charset="2"/>
+              <a:buChar char="q"/>
+            </a:pPr>
+            <a:r>
+              <a:rPr lang="en-US" dirty="0" smtClean="0"/>
+              <a:t>Working with </a:t>
+            </a:r>
+            <a:r>
+              <a:rPr lang="en-US" dirty="0" smtClean="0"/>
+              <a:t>multiple</a:t>
+            </a:r>
+            <a:r>
+              <a:rPr lang="en-US" dirty="0" smtClean="0"/>
+              <a:t> </a:t>
+            </a:r>
+            <a:r>
+              <a:rPr lang="en-US" dirty="0" smtClean="0"/>
+              <a:t>source files</a:t>
+            </a:r>
+          </a:p>
+          <a:p>
+            <a:pPr marL="457200" lvl="1" indent="0">
+              <a:buNone/>
+            </a:pPr>
+            <a:endParaRPr lang="en-US" dirty="0" smtClean="0"/>
+          </a:p>
+          <a:p>
+            <a:pPr lvl="1">
+              <a:buFont typeface="Wingdings" pitchFamily="2" charset="2"/>
+              <a:buChar char="q"/>
+            </a:pPr>
+            <a:r>
+              <a:rPr lang="en-US" dirty="0" smtClean="0"/>
+              <a:t>Modularization</a:t>
+            </a:r>
+          </a:p>
+          <a:p>
+            <a:pPr lvl="1">
+              <a:buFont typeface="Wingdings" pitchFamily="2" charset="2"/>
+              <a:buChar char="q"/>
+            </a:pPr>
+            <a:endParaRPr lang="en-US" dirty="0" smtClean="0"/>
+          </a:p>
+          <a:p>
+            <a:pPr lvl="1">
+              <a:buFont typeface="Wingdings" pitchFamily="2" charset="2"/>
+              <a:buChar char="q"/>
+            </a:pPr>
+            <a:r>
+              <a:rPr lang="en-US" dirty="0" smtClean="0"/>
+              <a:t>Statistical learning </a:t>
+            </a:r>
+            <a:r>
+              <a:rPr lang="en-US" dirty="0" smtClean="0"/>
+              <a:t>(normal and beta </a:t>
+            </a:r>
+            <a:r>
+              <a:rPr lang="en-US" dirty="0" smtClean="0"/>
+              <a:t>distribution</a:t>
+            </a:r>
+            <a:r>
+              <a:rPr lang="en-US" dirty="0" smtClean="0"/>
+              <a:t>)</a:t>
+            </a:r>
+          </a:p>
+          <a:p>
+            <a:pPr lvl="1">
+              <a:buFont typeface="Wingdings" pitchFamily="2" charset="2"/>
+              <a:buChar char="q"/>
+            </a:pPr>
+            <a:endParaRPr lang="en-US" dirty="0"/>
+          </a:p>
+          <a:p>
+            <a:pPr lvl="1">
+              <a:buFont typeface="Wingdings" pitchFamily="2" charset="2"/>
+              <a:buChar char="q"/>
+            </a:pPr>
+            <a:r>
+              <a:rPr lang="en-US" dirty="0" smtClean="0"/>
+              <a:t>Entering the realms of Machine Learning</a:t>
+            </a:r>
+          </a:p>
+          <a:p>
+            <a:pPr lvl="2">
+              <a:buFont typeface="Wingdings" pitchFamily="2" charset="2"/>
+              <a:buChar char="q"/>
+            </a:pPr>
+            <a:r>
+              <a:rPr lang="en-US" dirty="0" smtClean="0"/>
+              <a:t>Naïve-Bayes classifier</a:t>
+            </a:r>
+          </a:p>
+          <a:p>
+            <a:pPr lvl="2">
+              <a:buFont typeface="Wingdings" pitchFamily="2" charset="2"/>
+              <a:buChar char="q"/>
+            </a:pPr>
+            <a:r>
+              <a:rPr lang="en-US" dirty="0"/>
+              <a:t>K </a:t>
+            </a:r>
+            <a:r>
+              <a:rPr lang="en-US" dirty="0" smtClean="0"/>
+              <a:t>Means clustering algorithm</a:t>
+            </a:r>
+            <a:endParaRPr lang="en-US" dirty="0"/>
+          </a:p>
+          <a:p>
+            <a:pPr lvl="1">
+              <a:buFont typeface="Wingdings" pitchFamily="2" charset="2"/>
+              <a:buChar char="q"/>
+            </a:pPr>
+            <a:endParaRPr lang="en-US" dirty="0" smtClean="0"/>
+          </a:p>
+        </p:txBody>
+      </p:sp>
+      <p:sp>
+        <p:nvSpPr>
+          <p:cNvPr id="4" name="Slide Number Placeholder 3"/>
+          <p:cNvSpPr>
+            <a:spLocks noGrp="1"/>
+          </p:cNvSpPr>
+          <p:nvPr>
+            <p:ph type="sldNum" sz="quarter" idx="12"/>
+          </p:nvPr>
+        </p:nvSpPr>
+        <p:spPr/>
+        <p:txBody>
+          <a:bodyPr/>
+          <a:lstStyle/>
+          <a:p>
+            <a:fld id="{DB335474-1B1A-43B1-8350-506F2BC0CC50}" type="slidenum">
+              <a:rPr lang="en-US" smtClean="0"/>
+              <a:t>13</a:t>
+            </a:fld>
+            <a:endParaRPr lang="en-US" dirty="0"/>
+          </a:p>
+        </p:txBody>
+      </p:sp>
+    </p:spTree>
+    <p:extLst>
+      <p:ext uri="{BB962C8B-B14F-4D97-AF65-F5344CB8AC3E}">
+        <p14:creationId xmlns:p14="http://schemas.microsoft.com/office/powerpoint/2010/main" val="1458153994"/>
+      </p:ext>
+    </p:extLst>
+  </p:cSld>
+  <p:clrMapOvr>
+    <a:masterClrMapping/>
+  </p:clrMapOvr>
+  <p:timing>
+    <p:tnLst>
+      <p:par>
+        <p:cTn id="1" dur="indefinite" restart="never" nodeType="tmRoot"/>
+      </p:par>
+    </p:tnLst>
+  </p:timing>
 </p:sld>
 </file>
 
@@ -12911,11 +12980,7 @@
             <a:pPr algn="ctr"/>
             <a:r>
               <a:rPr lang="en-US" dirty="0" smtClean="0"/>
-              <a:t>New </a:t>
-            </a:r>
-            <a:r>
-              <a:rPr lang="en-US" dirty="0" err="1" smtClean="0"/>
-              <a:t>Learnings</a:t>
+              <a:t>Code</a:t>
             </a:r>
             <a:endParaRPr lang="en-US" dirty="0"/>
           </a:p>
@@ -12933,20 +12998,22 @@
         </p:nvSpPr>
         <p:spPr>
           <a:xfrm>
-            <a:off x="914400" y="1066800"/>
-            <a:ext cx="8686800" cy="5075238"/>
+            <a:off x="1447800" y="1828800"/>
+            <a:ext cx="6934200" cy="2484438"/>
           </a:xfrm>
         </p:spPr>
         <p:txBody>
-          <a:bodyPr>
-            <a:normAutofit lnSpcReduction="10000"/>
-          </a:bodyPr>
+          <a:bodyPr/>
           <a:lstStyle/>
           <a:p>
-            <a:pPr marL="82296" indent="0">
-              <a:buNone/>
+            <a:pPr>
+              <a:buFont typeface="Wingdings" pitchFamily="2" charset="2"/>
+              <a:buChar char="q"/>
             </a:pPr>
-            <a:endParaRPr lang="en-US" dirty="0" smtClean="0"/>
+            <a:r>
+              <a:rPr lang="en-US" dirty="0" smtClean="0"/>
+              <a:t>Github repository link:</a:t>
+            </a:r>
           </a:p>
           <a:p>
             <a:pPr lvl="1">
@@ -12954,84 +13021,9 @@
               <a:buChar char="q"/>
             </a:pPr>
             <a:r>
-              <a:rPr lang="en-US" dirty="0" smtClean="0"/>
-              <a:t>Using user defined headers</a:t>
-            </a:r>
-          </a:p>
-          <a:p>
-            <a:pPr lvl="1">
-              <a:buFont typeface="Wingdings" pitchFamily="2" charset="2"/>
-              <a:buChar char="q"/>
-            </a:pPr>
-            <a:endParaRPr lang="en-US" dirty="0" smtClean="0"/>
-          </a:p>
-          <a:p>
-            <a:pPr lvl="1">
-              <a:buFont typeface="Wingdings" pitchFamily="2" charset="2"/>
-              <a:buChar char="q"/>
-            </a:pPr>
-            <a:r>
-              <a:rPr lang="en-US" dirty="0" smtClean="0"/>
-              <a:t>Working with several source files</a:t>
-            </a:r>
-          </a:p>
-          <a:p>
-            <a:pPr marL="457200" lvl="1" indent="0">
-              <a:buNone/>
-            </a:pPr>
-            <a:endParaRPr lang="en-US" dirty="0" smtClean="0"/>
-          </a:p>
-          <a:p>
-            <a:pPr lvl="1">
-              <a:buFont typeface="Wingdings" pitchFamily="2" charset="2"/>
-              <a:buChar char="q"/>
-            </a:pPr>
-            <a:r>
-              <a:rPr lang="en-US" dirty="0" smtClean="0"/>
-              <a:t>Modularization</a:t>
-            </a:r>
-          </a:p>
-          <a:p>
-            <a:pPr lvl="1">
-              <a:buFont typeface="Wingdings" pitchFamily="2" charset="2"/>
-              <a:buChar char="q"/>
-            </a:pPr>
-            <a:endParaRPr lang="en-US" dirty="0" smtClean="0"/>
-          </a:p>
-          <a:p>
-            <a:pPr lvl="1">
-              <a:buFont typeface="Wingdings" pitchFamily="2" charset="2"/>
-              <a:buChar char="q"/>
-            </a:pPr>
-            <a:r>
-              <a:rPr lang="en-US" dirty="0" smtClean="0"/>
-              <a:t>Statistical learning (naïve-bayes, beta distribution)</a:t>
-            </a:r>
-          </a:p>
-          <a:p>
-            <a:pPr lvl="1">
-              <a:buFont typeface="Wingdings" pitchFamily="2" charset="2"/>
-              <a:buChar char="q"/>
-            </a:pPr>
-            <a:endParaRPr lang="en-US" dirty="0"/>
-          </a:p>
-          <a:p>
-            <a:pPr lvl="1">
-              <a:buFont typeface="Wingdings" pitchFamily="2" charset="2"/>
-              <a:buChar char="q"/>
-            </a:pPr>
-            <a:r>
-              <a:rPr lang="en-US" dirty="0" smtClean="0"/>
-              <a:t>Naïve-Bayes and K Means algorithm</a:t>
-            </a:r>
-            <a:endParaRPr lang="en-US" dirty="0"/>
-          </a:p>
-          <a:p>
-            <a:pPr lvl="1">
-              <a:buFont typeface="Wingdings" pitchFamily="2" charset="2"/>
-              <a:buChar char="q"/>
-            </a:pPr>
-            <a:endParaRPr lang="en-US" dirty="0" smtClean="0"/>
+              <a:rPr lang="en-US" dirty="0"/>
+              <a:t>https://github.com/bsse1006/SPL-1</a:t>
+            </a:r>
           </a:p>
         </p:txBody>
       </p:sp>
@@ -13061,7 +13053,7 @@
     </p:spTree>
     <p:extLst>
       <p:ext uri="{BB962C8B-B14F-4D97-AF65-F5344CB8AC3E}">
-        <p14:creationId xmlns:p14="http://schemas.microsoft.com/office/powerpoint/2010/main" val="1458153994"/>
+        <p14:creationId xmlns:p14="http://schemas.microsoft.com/office/powerpoint/2010/main" val="1559524336"/>
       </p:ext>
     </p:extLst>
   </p:cSld>
@@ -13097,76 +13089,6 @@
       </p:grpSpPr>
       <p:sp>
         <p:nvSpPr>
-          <p:cNvPr id="2" name="Title 1"/>
-          <p:cNvSpPr>
-            <a:spLocks noGrp="1"/>
-          </p:cNvSpPr>
-          <p:nvPr>
-            <p:ph type="title"/>
-          </p:nvPr>
-        </p:nvSpPr>
-        <p:spPr>
-          <a:xfrm>
-            <a:off x="304800" y="228600"/>
-            <a:ext cx="8686800" cy="838200"/>
-          </a:xfrm>
-        </p:spPr>
-        <p:txBody>
-          <a:bodyPr/>
-          <a:lstStyle/>
-          <a:p>
-            <a:pPr algn="ctr"/>
-            <a:r>
-              <a:rPr lang="en-US" dirty="0" smtClean="0"/>
-              <a:t>Code</a:t>
-            </a:r>
-            <a:endParaRPr lang="en-US" dirty="0"/>
-          </a:p>
-        </p:txBody>
-      </p:sp>
-      <p:sp>
-        <p:nvSpPr>
-          <p:cNvPr id="3" name="Content Placeholder 2"/>
-          <p:cNvSpPr>
-            <a:spLocks noGrp="1"/>
-          </p:cNvSpPr>
-          <p:nvPr>
-            <p:ph idx="1"/>
-          </p:nvPr>
-        </p:nvSpPr>
-        <p:spPr>
-          <a:xfrm>
-            <a:off x="1447800" y="1828800"/>
-            <a:ext cx="6934200" cy="2484438"/>
-          </a:xfrm>
-        </p:spPr>
-        <p:txBody>
-          <a:bodyPr/>
-          <a:lstStyle/>
-          <a:p>
-            <a:pPr>
-              <a:buFont typeface="Wingdings" pitchFamily="2" charset="2"/>
-              <a:buChar char="q"/>
-            </a:pPr>
-            <a:r>
-              <a:rPr lang="en-US" dirty="0" smtClean="0"/>
-              <a:t>Github repository link:</a:t>
-            </a:r>
-          </a:p>
-          <a:p>
-            <a:pPr lvl="1">
-              <a:buFont typeface="Wingdings" pitchFamily="2" charset="2"/>
-              <a:buChar char="q"/>
-            </a:pPr>
-            <a:r>
-              <a:rPr lang="en-US" dirty="0"/>
-              <a:t>https://github.com/bsse1006/SPL-1</a:t>
-            </a:r>
-          </a:p>
-        </p:txBody>
-      </p:sp>
-      <p:sp>
-        <p:nvSpPr>
           <p:cNvPr id="4" name="Slide Number Placeholder 3"/>
           <p:cNvSpPr>
             <a:spLocks noGrp="1"/>
@@ -13183,66 +13105,6 @@
             <a:fld id="{DB335474-1B1A-43B1-8350-506F2BC0CC50}" type="slidenum">
               <a:rPr lang="en-US" smtClean="0"/>
               <a:t>15</a:t>
-            </a:fld>
-            <a:endParaRPr lang="en-US" dirty="0"/>
-          </a:p>
-        </p:txBody>
-      </p:sp>
-    </p:spTree>
-    <p:extLst>
-      <p:ext uri="{BB962C8B-B14F-4D97-AF65-F5344CB8AC3E}">
-        <p14:creationId xmlns:p14="http://schemas.microsoft.com/office/powerpoint/2010/main" val="1559524336"/>
-      </p:ext>
-    </p:extLst>
-  </p:cSld>
-  <p:clrMapOvr>
-    <a:masterClrMapping/>
-  </p:clrMapOvr>
-  <p:timing>
-    <p:tnLst>
-      <p:par>
-        <p:cTn id="1" dur="indefinite" restart="never" nodeType="tmRoot"/>
-      </p:par>
-    </p:tnLst>
-  </p:timing>
-</p:sld>
-</file>
-
-<file path=ppt/slides/slide16.xml><?xml version="1.0" encoding="utf-8"?>
-<p:sld xmlns:a="http://schemas.openxmlformats.org/drawingml/2006/main" xmlns:r="http://schemas.openxmlformats.org/officeDocument/2006/relationships" xmlns:p="http://schemas.openxmlformats.org/presentationml/2006/main">
-  <p:cSld>
-    <p:spTree>
-      <p:nvGrpSpPr>
-        <p:cNvPr id="1" name=""/>
-        <p:cNvGrpSpPr/>
-        <p:nvPr/>
-      </p:nvGrpSpPr>
-      <p:grpSpPr>
-        <a:xfrm>
-          <a:off x="0" y="0"/>
-          <a:ext cx="0" cy="0"/>
-          <a:chOff x="0" y="0"/>
-          <a:chExt cx="0" cy="0"/>
-        </a:xfrm>
-      </p:grpSpPr>
-      <p:sp>
-        <p:nvSpPr>
-          <p:cNvPr id="4" name="Slide Number Placeholder 3"/>
-          <p:cNvSpPr>
-            <a:spLocks noGrp="1"/>
-          </p:cNvSpPr>
-          <p:nvPr>
-            <p:ph type="sldNum" sz="quarter" idx="12"/>
-          </p:nvPr>
-        </p:nvSpPr>
-        <p:spPr/>
-        <p:txBody>
-          <a:bodyPr/>
-          <a:lstStyle/>
-          <a:p>
-            <a:fld id="{DB335474-1B1A-43B1-8350-506F2BC0CC50}" type="slidenum">
-              <a:rPr lang="en-US" smtClean="0"/>
-              <a:t>16</a:t>
             </a:fld>
             <a:endParaRPr lang="en-US" dirty="0"/>
           </a:p>
@@ -13339,8 +13201,13 @@
             <a:pPr algn="ctr"/>
             <a:r>
               <a:rPr lang="en-US" dirty="0"/>
-              <a:t>Programmer deanonymization</a:t>
-            </a:r>
+              <a:t>Programmer </a:t>
+            </a:r>
+            <a:r>
+              <a:rPr lang="en-US" dirty="0" err="1"/>
+              <a:t>deanonymization</a:t>
+            </a:r>
+            <a:endParaRPr lang="en-US" dirty="0"/>
           </a:p>
         </p:txBody>
       </p:sp>
@@ -13356,8 +13223,8 @@
         </p:nvSpPr>
         <p:spPr>
           <a:xfrm>
-            <a:off x="1622474" y="1447800"/>
-            <a:ext cx="7498080" cy="4800600"/>
+            <a:off x="1219200" y="1157091"/>
+            <a:ext cx="7498080" cy="5105400"/>
           </a:xfrm>
         </p:spPr>
         <p:txBody>
@@ -13380,7 +13247,11 @@
             </a:pPr>
             <a:r>
               <a:rPr lang="en-US" dirty="0"/>
-              <a:t>Software Forensics</a:t>
+              <a:t>Software </a:t>
+            </a:r>
+            <a:r>
+              <a:rPr lang="en-US" dirty="0" smtClean="0"/>
+              <a:t>Forensics</a:t>
             </a:r>
           </a:p>
           <a:p>
@@ -13388,6 +13259,13 @@
               <a:buFont typeface="Wingdings" pitchFamily="2" charset="2"/>
               <a:buChar char="q"/>
             </a:pPr>
+            <a:endParaRPr lang="en-US" dirty="0"/>
+          </a:p>
+          <a:p>
+            <a:pPr lvl="1">
+              <a:buFont typeface="Wingdings" pitchFamily="2" charset="2"/>
+              <a:buChar char="q"/>
+            </a:pPr>
             <a:r>
               <a:rPr lang="en-US" dirty="0"/>
               <a:t>Detecting </a:t>
@@ -13395,6 +13273,73 @@
             <a:r>
               <a:rPr lang="en-US" dirty="0" smtClean="0"/>
               <a:t>Plagiarism</a:t>
+            </a:r>
+          </a:p>
+          <a:p>
+            <a:pPr lvl="1">
+              <a:buFont typeface="Wingdings" pitchFamily="2" charset="2"/>
+              <a:buChar char="q"/>
+            </a:pPr>
+            <a:endParaRPr lang="en-US" dirty="0" smtClean="0"/>
+          </a:p>
+          <a:p>
+            <a:pPr lvl="1">
+              <a:buFont typeface="Wingdings" pitchFamily="2" charset="2"/>
+              <a:buChar char="q"/>
+            </a:pPr>
+            <a:r>
+              <a:rPr lang="en-US" dirty="0"/>
+              <a:t>Verification of </a:t>
+            </a:r>
+            <a:r>
+              <a:rPr lang="en-US" dirty="0" smtClean="0"/>
+              <a:t>authorship</a:t>
+            </a:r>
+          </a:p>
+          <a:p>
+            <a:pPr lvl="1">
+              <a:buFont typeface="Wingdings" pitchFamily="2" charset="2"/>
+              <a:buChar char="q"/>
+            </a:pPr>
+            <a:endParaRPr lang="en-US" dirty="0"/>
+          </a:p>
+          <a:p>
+            <a:pPr lvl="1">
+              <a:buFont typeface="Wingdings" pitchFamily="2" charset="2"/>
+              <a:buChar char="q"/>
+            </a:pPr>
+            <a:r>
+              <a:rPr lang="en-US" dirty="0"/>
+              <a:t>Copyright </a:t>
+            </a:r>
+            <a:r>
+              <a:rPr lang="en-US" dirty="0" smtClean="0"/>
+              <a:t>investigation</a:t>
+            </a:r>
+          </a:p>
+          <a:p>
+            <a:pPr lvl="1">
+              <a:buFont typeface="Wingdings" pitchFamily="2" charset="2"/>
+              <a:buChar char="q"/>
+            </a:pPr>
+            <a:endParaRPr lang="en-US" dirty="0"/>
+          </a:p>
+          <a:p>
+            <a:pPr lvl="1">
+              <a:buFont typeface="Wingdings" pitchFamily="2" charset="2"/>
+              <a:buChar char="q"/>
+            </a:pPr>
+            <a:r>
+              <a:rPr lang="en-US" dirty="0" err="1"/>
+              <a:t>Surveilence</a:t>
+            </a:r>
+            <a:r>
+              <a:rPr lang="en-US" dirty="0"/>
+              <a:t> and tracking </a:t>
+            </a:r>
+            <a:r>
+              <a:rPr lang="en-US" dirty="0" smtClean="0"/>
+              <a:t>programmers</a:t>
             </a:r>
             <a:endParaRPr lang="en-US" dirty="0"/>
           </a:p>
@@ -13452,38 +13397,8 @@
         </p:blipFill>
         <p:spPr>
           <a:xfrm>
-            <a:off x="5486400" y="3477017"/>
-            <a:ext cx="3078264" cy="2694850"/>
-          </a:xfrm>
-          <a:prstGeom prst="rect">
-            <a:avLst/>
-          </a:prstGeom>
-        </p:spPr>
-      </p:pic>
-      <p:pic>
-        <p:nvPicPr>
-          <p:cNvPr id="8" name="Picture 7"/>
-          <p:cNvPicPr>
-            <a:picLocks noChangeAspect="1"/>
-          </p:cNvPicPr>
-          <p:nvPr/>
-        </p:nvPicPr>
-        <p:blipFill>
-          <a:blip r:embed="rId3" cstate="print">
-            <a:extLst>
-              <a:ext uri="{28A0092B-C50C-407E-A947-70E740481C1C}">
-                <a14:useLocalDpi xmlns:a14="http://schemas.microsoft.com/office/drawing/2010/main" val="0"/>
-              </a:ext>
-            </a:extLst>
-          </a:blip>
-          <a:stretch>
-            <a:fillRect/>
-          </a:stretch>
-        </p:blipFill>
-        <p:spPr>
-          <a:xfrm>
-            <a:off x="1295400" y="3943379"/>
-            <a:ext cx="3759200" cy="1762125"/>
+            <a:off x="6172200" y="2667000"/>
+            <a:ext cx="2382313" cy="2085583"/>
           </a:xfrm>
           <a:prstGeom prst="rect">
             <a:avLst/>
@@ -13544,100 +13459,43 @@
           </a:xfrm>
         </p:spPr>
         <p:txBody>
-          <a:bodyPr>
-            <a:normAutofit/>
-          </a:bodyPr>
+          <a:bodyPr/>
           <a:lstStyle/>
           <a:p>
             <a:pPr algn="ctr"/>
             <a:r>
               <a:rPr lang="en-US" dirty="0" smtClean="0"/>
-              <a:t>Programmer deanonymization</a:t>
+              <a:t>Approach</a:t>
             </a:r>
             <a:endParaRPr lang="en-US" dirty="0"/>
           </a:p>
         </p:txBody>
       </p:sp>
-      <p:sp>
-        <p:nvSpPr>
+      <p:graphicFrame>
+        <p:nvGraphicFramePr>
           <p:cNvPr id="3" name="Content Placeholder 2"/>
-          <p:cNvSpPr>
-            <a:spLocks noGrp="1"/>
-          </p:cNvSpPr>
+          <p:cNvGraphicFramePr>
+            <a:graphicFrameLocks noGrp="1"/>
+          </p:cNvGraphicFramePr>
           <p:nvPr>
             <p:ph idx="1"/>
+            <p:extLst>
+              <p:ext uri="{D42A27DB-BD31-4B8C-83A1-F6EECF244321}">
+                <p14:modId xmlns:p14="http://schemas.microsoft.com/office/powerpoint/2010/main" val="4173410266"/>
+              </p:ext>
+            </p:extLst>
           </p:nvPr>
-        </p:nvSpPr>
-        <p:spPr/>
-        <p:txBody>
-          <a:bodyPr/>
-          <a:lstStyle/>
-          <a:p>
-            <a:pPr>
-              <a:buFont typeface="Wingdings" pitchFamily="2" charset="2"/>
-              <a:buChar char="q"/>
-            </a:pPr>
-            <a:r>
-              <a:rPr lang="en-US" dirty="0" smtClean="0"/>
-              <a:t>Why deanonymize programmers? (continued)</a:t>
-            </a:r>
-          </a:p>
-          <a:p>
-            <a:pPr lvl="1">
-              <a:buFont typeface="Wingdings" pitchFamily="2" charset="2"/>
-              <a:buChar char="q"/>
-            </a:pPr>
-            <a:r>
-              <a:rPr lang="en-US" dirty="0" smtClean="0"/>
-              <a:t>Verification </a:t>
-            </a:r>
-            <a:r>
-              <a:rPr lang="en-US" dirty="0"/>
-              <a:t>of </a:t>
-            </a:r>
-            <a:r>
-              <a:rPr lang="en-US" dirty="0" smtClean="0"/>
-              <a:t>authorship</a:t>
-            </a:r>
-          </a:p>
-          <a:p>
-            <a:pPr lvl="1">
-              <a:buFont typeface="Wingdings" pitchFamily="2" charset="2"/>
-              <a:buChar char="q"/>
-            </a:pPr>
-            <a:r>
-              <a:rPr lang="en-US" dirty="0" smtClean="0"/>
-              <a:t>Copyright investigation</a:t>
-            </a:r>
-          </a:p>
-          <a:p>
-            <a:pPr lvl="1">
-              <a:buFont typeface="Wingdings" pitchFamily="2" charset="2"/>
-              <a:buChar char="q"/>
-            </a:pPr>
-            <a:r>
-              <a:rPr lang="en-US" dirty="0"/>
-              <a:t>S</a:t>
-            </a:r>
-            <a:r>
-              <a:rPr lang="en-US" dirty="0" smtClean="0"/>
-              <a:t>urveilence </a:t>
-            </a:r>
-            <a:r>
-              <a:rPr lang="en-US" dirty="0"/>
-              <a:t>and tracking programmers</a:t>
-            </a:r>
-            <a:endParaRPr lang="en-US" dirty="0" smtClean="0"/>
-          </a:p>
-          <a:p>
-            <a:pPr lvl="1">
-              <a:buFont typeface="Wingdings" pitchFamily="2" charset="2"/>
-              <a:buChar char="q"/>
-            </a:pPr>
-            <a:endParaRPr lang="en-US" dirty="0"/>
-          </a:p>
-        </p:txBody>
-      </p:sp>
+        </p:nvGraphicFramePr>
+        <p:xfrm>
+          <a:off x="1676400" y="1295400"/>
+          <a:ext cx="6781800" cy="2209800"/>
+        </p:xfrm>
+        <a:graphic>
+          <a:graphicData uri="http://schemas.openxmlformats.org/drawingml/2006/diagram">
+            <dgm:relIds xmlns:dgm="http://schemas.openxmlformats.org/drawingml/2006/diagram" xmlns:r="http://schemas.openxmlformats.org/officeDocument/2006/relationships" r:dm="rId2" r:lo="rId3" r:qs="rId4" r:cs="rId5"/>
+          </a:graphicData>
+        </a:graphic>
+      </p:graphicFrame>
       <p:sp>
         <p:nvSpPr>
           <p:cNvPr id="4" name="Slide Number Placeholder 3"/>
@@ -13661,70 +13519,32 @@
           </a:p>
         </p:txBody>
       </p:sp>
-      <p:pic>
-        <p:nvPicPr>
-          <p:cNvPr id="7" name="Picture 6"/>
-          <p:cNvPicPr>
-            <a:picLocks noChangeAspect="1"/>
-          </p:cNvPicPr>
-          <p:nvPr/>
-        </p:nvPicPr>
-        <p:blipFill>
-          <a:blip r:embed="rId2">
-            <a:extLst>
-              <a:ext uri="{28A0092B-C50C-407E-A947-70E740481C1C}">
-                <a14:useLocalDpi xmlns:a14="http://schemas.microsoft.com/office/drawing/2010/main" val="0"/>
-              </a:ext>
-            </a:extLst>
-          </a:blip>
-          <a:stretch>
-            <a:fillRect/>
-          </a:stretch>
-        </p:blipFill>
-        <p:spPr>
-          <a:xfrm>
-            <a:off x="1981200" y="4114800"/>
-            <a:ext cx="3725694" cy="2244725"/>
-          </a:xfrm>
-          <a:prstGeom prst="rect">
-            <a:avLst/>
-          </a:prstGeom>
-        </p:spPr>
-      </p:pic>
-      <p:pic>
-        <p:nvPicPr>
-          <p:cNvPr id="8" name="Picture 7"/>
-          <p:cNvPicPr>
-            <a:picLocks noChangeAspect="1"/>
-          </p:cNvPicPr>
-          <p:nvPr/>
-        </p:nvPicPr>
-        <p:blipFill>
-          <a:blip r:embed="rId3" cstate="print">
-            <a:extLst>
-              <a:ext uri="{28A0092B-C50C-407E-A947-70E740481C1C}">
-                <a14:useLocalDpi xmlns:a14="http://schemas.microsoft.com/office/drawing/2010/main" val="0"/>
-              </a:ext>
-            </a:extLst>
-          </a:blip>
-          <a:stretch>
-            <a:fillRect/>
-          </a:stretch>
-        </p:blipFill>
-        <p:spPr>
-          <a:xfrm>
-            <a:off x="6096000" y="4495800"/>
-            <a:ext cx="2311400" cy="1320800"/>
-          </a:xfrm>
-          <a:prstGeom prst="rect">
-            <a:avLst/>
-          </a:prstGeom>
-        </p:spPr>
-      </p:pic>
+      <p:graphicFrame>
+        <p:nvGraphicFramePr>
+          <p:cNvPr id="5" name="Diagram 4"/>
+          <p:cNvGraphicFramePr/>
+          <p:nvPr>
+            <p:extLst>
+              <p:ext uri="{D42A27DB-BD31-4B8C-83A1-F6EECF244321}">
+                <p14:modId xmlns:p14="http://schemas.microsoft.com/office/powerpoint/2010/main" val="1864671429"/>
+              </p:ext>
+            </p:extLst>
+          </p:nvPr>
+        </p:nvGraphicFramePr>
+        <p:xfrm>
+          <a:off x="1752600" y="3733800"/>
+          <a:ext cx="6705600" cy="2514600"/>
+        </p:xfrm>
+        <a:graphic>
+          <a:graphicData uri="http://schemas.openxmlformats.org/drawingml/2006/diagram">
+            <dgm:relIds xmlns:dgm="http://schemas.openxmlformats.org/drawingml/2006/diagram" xmlns:r="http://schemas.openxmlformats.org/officeDocument/2006/relationships" r:dm="rId7" r:lo="rId8" r:qs="rId9" r:cs="rId10"/>
+          </a:graphicData>
+        </a:graphic>
+      </p:graphicFrame>
     </p:spTree>
     <p:extLst>
       <p:ext uri="{BB962C8B-B14F-4D97-AF65-F5344CB8AC3E}">
-        <p14:creationId xmlns:p14="http://schemas.microsoft.com/office/powerpoint/2010/main" val="1676000547"/>
+        <p14:creationId xmlns:p14="http://schemas.microsoft.com/office/powerpoint/2010/main" val="3380900634"/>
       </p:ext>
     </p:extLst>
   </p:cSld>
@@ -13789,7 +13609,7 @@
       </p:sp>
       <p:graphicFrame>
         <p:nvGraphicFramePr>
-          <p:cNvPr id="3" name="Content Placeholder 2"/>
+          <p:cNvPr id="5" name="Content Placeholder 4"/>
           <p:cNvGraphicFramePr>
             <a:graphicFrameLocks noGrp="1"/>
           </p:cNvGraphicFramePr>
@@ -13797,14 +13617,14 @@
             <p:ph idx="1"/>
             <p:extLst>
               <p:ext uri="{D42A27DB-BD31-4B8C-83A1-F6EECF244321}">
-                <p14:modId xmlns:p14="http://schemas.microsoft.com/office/powerpoint/2010/main" val="4173410266"/>
+                <p14:modId xmlns:p14="http://schemas.microsoft.com/office/powerpoint/2010/main" val="3312474047"/>
               </p:ext>
             </p:extLst>
           </p:nvPr>
         </p:nvGraphicFramePr>
         <p:xfrm>
-          <a:off x="1676400" y="1295400"/>
-          <a:ext cx="6781800" cy="2209800"/>
+          <a:off x="0" y="1066800"/>
+          <a:ext cx="9067800" cy="5410200"/>
         </p:xfrm>
         <a:graphic>
           <a:graphicData uri="http://schemas.openxmlformats.org/drawingml/2006/diagram">
@@ -13835,32 +13655,40 @@
           </a:p>
         </p:txBody>
       </p:sp>
-      <p:graphicFrame>
-        <p:nvGraphicFramePr>
-          <p:cNvPr id="5" name="Diagram 4"/>
-          <p:cNvGraphicFramePr/>
-          <p:nvPr>
-            <p:extLst>
-              <p:ext uri="{D42A27DB-BD31-4B8C-83A1-F6EECF244321}">
-                <p14:modId xmlns:p14="http://schemas.microsoft.com/office/powerpoint/2010/main" val="1864671429"/>
-              </p:ext>
-            </p:extLst>
-          </p:nvPr>
-        </p:nvGraphicFramePr>
-        <p:xfrm>
-          <a:off x="1752600" y="3733800"/>
-          <a:ext cx="6705600" cy="2514600"/>
-        </p:xfrm>
-        <a:graphic>
-          <a:graphicData uri="http://schemas.openxmlformats.org/drawingml/2006/diagram">
-            <dgm:relIds xmlns:dgm="http://schemas.openxmlformats.org/drawingml/2006/diagram" xmlns:r="http://schemas.openxmlformats.org/officeDocument/2006/relationships" r:dm="rId7" r:lo="rId8" r:qs="rId9" r:cs="rId10"/>
-          </a:graphicData>
-        </a:graphic>
-      </p:graphicFrame>
+      <p:sp>
+        <p:nvSpPr>
+          <p:cNvPr id="8" name="TextBox 7"/>
+          <p:cNvSpPr txBox="1"/>
+          <p:nvPr/>
+        </p:nvSpPr>
+        <p:spPr>
+          <a:xfrm>
+            <a:off x="2590800" y="5257800"/>
+            <a:ext cx="3687228" cy="369332"/>
+          </a:xfrm>
+          <a:prstGeom prst="rect">
+            <a:avLst/>
+          </a:prstGeom>
+          <a:noFill/>
+        </p:spPr>
+        <p:txBody>
+          <a:bodyPr wrap="none" rtlCol="0">
+            <a:spAutoFit/>
+          </a:bodyPr>
+          <a:lstStyle/>
+          <a:p>
+            <a:r>
+              <a:rPr lang="en-US" dirty="0" smtClean="0"/>
+              <a:t>Matching using statistical measures</a:t>
+            </a:r>
+            <a:endParaRPr lang="en-US" dirty="0"/>
+          </a:p>
+        </p:txBody>
+      </p:sp>
     </p:spTree>
     <p:extLst>
       <p:ext uri="{BB962C8B-B14F-4D97-AF65-F5344CB8AC3E}">
-        <p14:creationId xmlns:p14="http://schemas.microsoft.com/office/powerpoint/2010/main" val="3380900634"/>
+        <p14:creationId xmlns:p14="http://schemas.microsoft.com/office/powerpoint/2010/main" val="3285108192"/>
       </p:ext>
     </p:extLst>
   </p:cSld>
@@ -13917,37 +13745,107 @@
             <a:pPr algn="ctr"/>
             <a:r>
               <a:rPr lang="en-US" dirty="0" smtClean="0"/>
-              <a:t>Approach</a:t>
+              <a:t>Components</a:t>
             </a:r>
             <a:endParaRPr lang="en-US" dirty="0"/>
           </a:p>
         </p:txBody>
       </p:sp>
-      <p:graphicFrame>
-        <p:nvGraphicFramePr>
-          <p:cNvPr id="5" name="Content Placeholder 4"/>
-          <p:cNvGraphicFramePr>
-            <a:graphicFrameLocks noGrp="1"/>
-          </p:cNvGraphicFramePr>
+      <p:sp>
+        <p:nvSpPr>
+          <p:cNvPr id="3" name="Content Placeholder 2"/>
+          <p:cNvSpPr>
+            <a:spLocks noGrp="1"/>
+          </p:cNvSpPr>
           <p:nvPr>
             <p:ph idx="1"/>
-            <p:extLst>
-              <p:ext uri="{D42A27DB-BD31-4B8C-83A1-F6EECF244321}">
-                <p14:modId xmlns:p14="http://schemas.microsoft.com/office/powerpoint/2010/main" val="3312474047"/>
-              </p:ext>
-            </p:extLst>
           </p:nvPr>
-        </p:nvGraphicFramePr>
-        <p:xfrm>
-          <a:off x="0" y="1066800"/>
-          <a:ext cx="9067800" cy="5410200"/>
-        </p:xfrm>
-        <a:graphic>
-          <a:graphicData uri="http://schemas.openxmlformats.org/drawingml/2006/diagram">
-            <dgm:relIds xmlns:dgm="http://schemas.openxmlformats.org/drawingml/2006/diagram" xmlns:r="http://schemas.openxmlformats.org/officeDocument/2006/relationships" r:dm="rId2" r:lo="rId3" r:qs="rId4" r:cs="rId5"/>
-          </a:graphicData>
-        </a:graphic>
-      </p:graphicFrame>
+        </p:nvSpPr>
+        <p:spPr>
+          <a:xfrm>
+            <a:off x="1066800" y="1143000"/>
+            <a:ext cx="8686800" cy="4525963"/>
+          </a:xfrm>
+        </p:spPr>
+        <p:txBody>
+          <a:bodyPr/>
+          <a:lstStyle/>
+          <a:p>
+            <a:pPr marL="82296" indent="0">
+              <a:buNone/>
+            </a:pPr>
+            <a:endParaRPr lang="en-US" dirty="0" smtClean="0"/>
+          </a:p>
+          <a:p>
+            <a:pPr lvl="1">
+              <a:buFont typeface="Wingdings" pitchFamily="2" charset="2"/>
+              <a:buChar char="q"/>
+            </a:pPr>
+            <a:r>
+              <a:rPr lang="en-US" dirty="0" smtClean="0"/>
+              <a:t>Three major components</a:t>
+            </a:r>
+          </a:p>
+          <a:p>
+            <a:pPr lvl="1">
+              <a:buFont typeface="Wingdings" pitchFamily="2" charset="2"/>
+              <a:buChar char="q"/>
+            </a:pPr>
+            <a:endParaRPr lang="en-US" dirty="0" smtClean="0"/>
+          </a:p>
+          <a:p>
+            <a:pPr lvl="2">
+              <a:buFont typeface="Wingdings" pitchFamily="2" charset="2"/>
+              <a:buChar char="q"/>
+            </a:pPr>
+            <a:r>
+              <a:rPr lang="en-US" dirty="0" smtClean="0"/>
+              <a:t>Feature analyzers</a:t>
+            </a:r>
+          </a:p>
+          <a:p>
+            <a:pPr lvl="2">
+              <a:buFont typeface="Wingdings" pitchFamily="2" charset="2"/>
+              <a:buChar char="q"/>
+            </a:pPr>
+            <a:endParaRPr lang="en-US" dirty="0" smtClean="0"/>
+          </a:p>
+          <a:p>
+            <a:pPr lvl="2">
+              <a:buFont typeface="Wingdings" pitchFamily="2" charset="2"/>
+              <a:buChar char="q"/>
+            </a:pPr>
+            <a:r>
+              <a:rPr lang="en-US" dirty="0" smtClean="0"/>
+              <a:t>Statistical procedures</a:t>
+            </a:r>
+          </a:p>
+          <a:p>
+            <a:pPr lvl="2">
+              <a:buFont typeface="Wingdings" pitchFamily="2" charset="2"/>
+              <a:buChar char="q"/>
+            </a:pPr>
+            <a:endParaRPr lang="en-US" dirty="0" smtClean="0"/>
+          </a:p>
+          <a:p>
+            <a:pPr lvl="2">
+              <a:buFont typeface="Wingdings" pitchFamily="2" charset="2"/>
+              <a:buChar char="q"/>
+            </a:pPr>
+            <a:r>
+              <a:rPr lang="en-US" dirty="0" smtClean="0"/>
+              <a:t>Profile management</a:t>
+            </a:r>
+          </a:p>
+          <a:p>
+            <a:pPr lvl="1">
+              <a:buFont typeface="Wingdings" pitchFamily="2" charset="2"/>
+              <a:buChar char="q"/>
+            </a:pPr>
+            <a:endParaRPr lang="en-US" dirty="0"/>
+          </a:p>
+        </p:txBody>
+      </p:sp>
       <p:sp>
         <p:nvSpPr>
           <p:cNvPr id="4" name="Slide Number Placeholder 3"/>
@@ -13971,40 +13869,10 @@
           </a:p>
         </p:txBody>
       </p:sp>
-      <p:sp>
-        <p:nvSpPr>
-          <p:cNvPr id="8" name="TextBox 7"/>
-          <p:cNvSpPr txBox="1"/>
-          <p:nvPr/>
-        </p:nvSpPr>
-        <p:spPr>
-          <a:xfrm>
-            <a:off x="2590800" y="5257800"/>
-            <a:ext cx="3687228" cy="369332"/>
-          </a:xfrm>
-          <a:prstGeom prst="rect">
-            <a:avLst/>
-          </a:prstGeom>
-          <a:noFill/>
-        </p:spPr>
-        <p:txBody>
-          <a:bodyPr wrap="none" rtlCol="0">
-            <a:spAutoFit/>
-          </a:bodyPr>
-          <a:lstStyle/>
-          <a:p>
-            <a:r>
-              <a:rPr lang="en-US" dirty="0" smtClean="0"/>
-              <a:t>Matching using statistical measures</a:t>
-            </a:r>
-            <a:endParaRPr lang="en-US" dirty="0"/>
-          </a:p>
-        </p:txBody>
-      </p:sp>
     </p:spTree>
     <p:extLst>
       <p:ext uri="{BB962C8B-B14F-4D97-AF65-F5344CB8AC3E}">
-        <p14:creationId xmlns:p14="http://schemas.microsoft.com/office/powerpoint/2010/main" val="3285108192"/>
+        <p14:creationId xmlns:p14="http://schemas.microsoft.com/office/powerpoint/2010/main" val="2281727743"/>
       </p:ext>
     </p:extLst>
   </p:cSld>
@@ -14061,103 +13929,8 @@
             <a:pPr algn="ctr"/>
             <a:r>
               <a:rPr lang="en-US" dirty="0" smtClean="0"/>
-              <a:t>Components</a:t>
-            </a:r>
-            <a:endParaRPr lang="en-US" dirty="0"/>
-          </a:p>
-        </p:txBody>
-      </p:sp>
-      <p:sp>
-        <p:nvSpPr>
-          <p:cNvPr id="3" name="Content Placeholder 2"/>
-          <p:cNvSpPr>
-            <a:spLocks noGrp="1"/>
-          </p:cNvSpPr>
-          <p:nvPr>
-            <p:ph idx="1"/>
-          </p:nvPr>
-        </p:nvSpPr>
-        <p:spPr>
-          <a:xfrm>
-            <a:off x="1066800" y="1143000"/>
-            <a:ext cx="8686800" cy="4525963"/>
-          </a:xfrm>
-        </p:spPr>
-        <p:txBody>
-          <a:bodyPr/>
-          <a:lstStyle/>
-          <a:p>
-            <a:pPr marL="82296" indent="0">
-              <a:buNone/>
-            </a:pPr>
-            <a:endParaRPr lang="en-US" dirty="0" smtClean="0"/>
-          </a:p>
-          <a:p>
-            <a:pPr lvl="1">
-              <a:buFont typeface="Wingdings" pitchFamily="2" charset="2"/>
-              <a:buChar char="q"/>
-            </a:pPr>
-            <a:r>
-              <a:rPr lang="en-US" dirty="0" smtClean="0"/>
-              <a:t>Three major components</a:t>
-            </a:r>
-          </a:p>
-          <a:p>
-            <a:pPr lvl="1">
-              <a:buFont typeface="Wingdings" pitchFamily="2" charset="2"/>
-              <a:buChar char="q"/>
-            </a:pPr>
-            <a:endParaRPr lang="en-US" dirty="0" smtClean="0"/>
-          </a:p>
-          <a:p>
-            <a:pPr lvl="2">
-              <a:buFont typeface="Wingdings" pitchFamily="2" charset="2"/>
-              <a:buChar char="q"/>
-            </a:pPr>
-            <a:r>
-              <a:rPr lang="en-US" dirty="0" smtClean="0"/>
-              <a:t>Feature analyzers</a:t>
-            </a:r>
-          </a:p>
-          <a:p>
-            <a:pPr lvl="2">
-              <a:buFont typeface="Wingdings" pitchFamily="2" charset="2"/>
-              <a:buChar char="q"/>
-            </a:pPr>
-            <a:endParaRPr lang="en-US" dirty="0" smtClean="0"/>
-          </a:p>
-          <a:p>
-            <a:pPr lvl="2">
-              <a:buFont typeface="Wingdings" pitchFamily="2" charset="2"/>
-              <a:buChar char="q"/>
-            </a:pPr>
-            <a:r>
-              <a:rPr lang="en-US" dirty="0" smtClean="0"/>
-              <a:t>Statistical procedures</a:t>
-            </a:r>
-          </a:p>
-          <a:p>
-            <a:pPr lvl="2">
-              <a:buFont typeface="Wingdings" pitchFamily="2" charset="2"/>
-              <a:buChar char="q"/>
-            </a:pPr>
-            <a:endParaRPr lang="en-US" dirty="0" smtClean="0"/>
-          </a:p>
-          <a:p>
-            <a:pPr lvl="2">
-              <a:buFont typeface="Wingdings" pitchFamily="2" charset="2"/>
-              <a:buChar char="q"/>
-            </a:pPr>
-            <a:r>
-              <a:rPr lang="en-US" dirty="0" smtClean="0"/>
-              <a:t>Profile management</a:t>
-            </a:r>
-          </a:p>
-          <a:p>
-            <a:pPr lvl="1">
-              <a:buFont typeface="Wingdings" pitchFamily="2" charset="2"/>
-              <a:buChar char="q"/>
-            </a:pPr>
+              <a:t>Feature set</a:t>
+            </a:r>
             <a:endParaRPr lang="en-US" dirty="0"/>
           </a:p>
         </p:txBody>
@@ -14185,23 +13958,79 @@
           </a:p>
         </p:txBody>
       </p:sp>
+      <p:sp>
+        <p:nvSpPr>
+          <p:cNvPr id="6" name="Content Placeholder 5"/>
+          <p:cNvSpPr>
+            <a:spLocks noGrp="1"/>
+          </p:cNvSpPr>
+          <p:nvPr>
+            <p:ph idx="1"/>
+          </p:nvPr>
+        </p:nvSpPr>
+        <p:spPr/>
+        <p:txBody>
+          <a:bodyPr/>
+          <a:lstStyle/>
+          <a:p>
+            <a:pPr lvl="0"/>
+            <a:r>
+              <a:rPr lang="en-US" dirty="0"/>
+              <a:t>Bracing style</a:t>
+            </a:r>
+          </a:p>
+          <a:p>
+            <a:pPr lvl="0"/>
+            <a:r>
+              <a:rPr lang="en-US" dirty="0"/>
+              <a:t>Percentage of proper indentation</a:t>
+            </a:r>
+          </a:p>
+          <a:p>
+            <a:pPr lvl="0"/>
+            <a:r>
+              <a:rPr lang="en-US" dirty="0"/>
+              <a:t>Rate of white space in function or loop signatures</a:t>
+            </a:r>
+          </a:p>
+          <a:p>
+            <a:pPr lvl="0"/>
+            <a:r>
+              <a:rPr lang="en-US" dirty="0"/>
+              <a:t>Space after/before certain symbol (equal ‘=’ symbol)</a:t>
+            </a:r>
+          </a:p>
+          <a:p>
+            <a:pPr lvl="0"/>
+            <a:r>
+              <a:rPr lang="en-US" dirty="0"/>
+              <a:t>Total white space percentage</a:t>
+            </a:r>
+          </a:p>
+          <a:p>
+            <a:pPr lvl="0"/>
+            <a:r>
+              <a:rPr lang="en-US" dirty="0"/>
+              <a:t>Total empty lines </a:t>
+            </a:r>
+            <a:r>
+              <a:rPr lang="en-US" dirty="0" smtClean="0"/>
+              <a:t>percentage</a:t>
+            </a:r>
+            <a:endParaRPr lang="en-US" dirty="0"/>
+          </a:p>
+        </p:txBody>
+      </p:sp>
     </p:spTree>
     <p:extLst>
       <p:ext uri="{BB962C8B-B14F-4D97-AF65-F5344CB8AC3E}">
-        <p14:creationId xmlns:p14="http://schemas.microsoft.com/office/powerpoint/2010/main" val="2281727743"/>
+        <p14:creationId xmlns:p14="http://schemas.microsoft.com/office/powerpoint/2010/main" val="2748197192"/>
       </p:ext>
     </p:extLst>
   </p:cSld>
   <p:clrMapOvr>
     <a:masterClrMapping/>
   </p:clrMapOvr>
-  <p:timing>
-    <p:tnLst>
-      <p:par>
-        <p:cTn id="1" dur="indefinite" restart="never" nodeType="tmRoot"/>
-      </p:par>
-    </p:tnLst>
-  </p:timing>
 </p:sld>
 </file>
 
@@ -14245,118 +14074,7 @@
             <a:pPr algn="ctr"/>
             <a:r>
               <a:rPr lang="en-US" dirty="0" smtClean="0"/>
-              <a:t>Feature set</a:t>
-            </a:r>
-            <a:endParaRPr lang="en-US" dirty="0"/>
-          </a:p>
-        </p:txBody>
-      </p:sp>
-      <p:pic>
-        <p:nvPicPr>
-          <p:cNvPr id="5" name="Content Placeholder 4"/>
-          <p:cNvPicPr>
-            <a:picLocks noGrp="1" noChangeAspect="1"/>
-          </p:cNvPicPr>
-          <p:nvPr>
-            <p:ph idx="1"/>
-          </p:nvPr>
-        </p:nvPicPr>
-        <p:blipFill>
-          <a:blip r:embed="rId2">
-            <a:extLst>
-              <a:ext uri="{28A0092B-C50C-407E-A947-70E740481C1C}">
-                <a14:useLocalDpi xmlns:a14="http://schemas.microsoft.com/office/drawing/2010/main" val="0"/>
-              </a:ext>
-            </a:extLst>
-          </a:blip>
-          <a:stretch>
-            <a:fillRect/>
-          </a:stretch>
-        </p:blipFill>
-        <p:spPr>
-          <a:xfrm>
-            <a:off x="1143000" y="1447800"/>
-            <a:ext cx="7811763" cy="4495800"/>
-          </a:xfrm>
-        </p:spPr>
-      </p:pic>
-      <p:sp>
-        <p:nvSpPr>
-          <p:cNvPr id="4" name="Slide Number Placeholder 3"/>
-          <p:cNvSpPr>
-            <a:spLocks noGrp="1"/>
-          </p:cNvSpPr>
-          <p:nvPr>
-            <p:ph type="sldNum" sz="quarter" idx="12"/>
-          </p:nvPr>
-        </p:nvSpPr>
-        <p:spPr/>
-        <p:txBody>
-          <a:bodyPr/>
-          <a:lstStyle/>
-          <a:p>
-            <a:fld id="{DB335474-1B1A-43B1-8350-506F2BC0CC50}" type="slidenum">
-              <a:rPr lang="en-US" smtClean="0"/>
-              <a:t>7</a:t>
-            </a:fld>
-            <a:endParaRPr lang="en-US" dirty="0"/>
-          </a:p>
-        </p:txBody>
-      </p:sp>
-    </p:spTree>
-    <p:extLst>
-      <p:ext uri="{BB962C8B-B14F-4D97-AF65-F5344CB8AC3E}">
-        <p14:creationId xmlns:p14="http://schemas.microsoft.com/office/powerpoint/2010/main" val="2748197192"/>
-      </p:ext>
-    </p:extLst>
-  </p:cSld>
-  <p:clrMapOvr>
-    <a:masterClrMapping/>
-  </p:clrMapOvr>
-</p:sld>
-</file>
-
-<file path=ppt/slides/slide8.xml><?xml version="1.0" encoding="utf-8"?>
-<p:sld xmlns:a="http://schemas.openxmlformats.org/drawingml/2006/main" xmlns:r="http://schemas.openxmlformats.org/officeDocument/2006/relationships" xmlns:p="http://schemas.openxmlformats.org/presentationml/2006/main">
-  <p:cSld>
-    <p:spTree>
-      <p:nvGrpSpPr>
-        <p:cNvPr id="1" name=""/>
-        <p:cNvGrpSpPr/>
-        <p:nvPr/>
-      </p:nvGrpSpPr>
-      <p:grpSpPr>
-        <a:xfrm>
-          <a:off x="0" y="0"/>
-          <a:ext cx="0" cy="0"/>
-          <a:chOff x="0" y="0"/>
-          <a:chExt cx="0" cy="0"/>
-        </a:xfrm>
-      </p:grpSpPr>
-      <p:sp>
-        <p:nvSpPr>
-          <p:cNvPr id="2" name="Title 1"/>
-          <p:cNvSpPr>
-            <a:spLocks noGrp="1"/>
-          </p:cNvSpPr>
-          <p:nvPr>
-            <p:ph type="title"/>
-          </p:nvPr>
-        </p:nvSpPr>
-        <p:spPr>
-          <a:xfrm>
-            <a:off x="304800" y="228600"/>
-            <a:ext cx="8686800" cy="838200"/>
-          </a:xfrm>
-        </p:spPr>
-        <p:txBody>
-          <a:bodyPr/>
-          <a:lstStyle/>
-          <a:p>
-            <a:pPr algn="ctr"/>
-            <a:r>
-              <a:rPr lang="en-US" dirty="0" smtClean="0"/>
-              <a:t>Feature set</a:t>
+              <a:t>Bracing</a:t>
             </a:r>
             <a:endParaRPr lang="en-US" dirty="0"/>
           </a:p>
@@ -14408,7 +14126,7 @@
           <a:p>
             <a:fld id="{DB335474-1B1A-43B1-8350-506F2BC0CC50}" type="slidenum">
               <a:rPr lang="en-US" smtClean="0"/>
-              <a:t>8</a:t>
+              <a:t>7</a:t>
             </a:fld>
             <a:endParaRPr lang="en-US" dirty="0"/>
           </a:p>
@@ -14456,6 +14174,154 @@
     <p:extLst>
       <p:ext uri="{BB962C8B-B14F-4D97-AF65-F5344CB8AC3E}">
         <p14:creationId xmlns:p14="http://schemas.microsoft.com/office/powerpoint/2010/main" val="3427730819"/>
+      </p:ext>
+    </p:extLst>
+  </p:cSld>
+  <p:clrMapOvr>
+    <a:masterClrMapping/>
+  </p:clrMapOvr>
+  <p:timing>
+    <p:tnLst>
+      <p:par>
+        <p:cTn id="1" dur="indefinite" restart="never" nodeType="tmRoot"/>
+      </p:par>
+    </p:tnLst>
+  </p:timing>
+</p:sld>
+</file>
+
+<file path=ppt/slides/slide8.xml><?xml version="1.0" encoding="utf-8"?>
+<p:sld xmlns:a="http://schemas.openxmlformats.org/drawingml/2006/main" xmlns:r="http://schemas.openxmlformats.org/officeDocument/2006/relationships" xmlns:p="http://schemas.openxmlformats.org/presentationml/2006/main">
+  <p:cSld>
+    <p:spTree>
+      <p:nvGrpSpPr>
+        <p:cNvPr id="1" name=""/>
+        <p:cNvGrpSpPr/>
+        <p:nvPr/>
+      </p:nvGrpSpPr>
+      <p:grpSpPr>
+        <a:xfrm>
+          <a:off x="0" y="0"/>
+          <a:ext cx="0" cy="0"/>
+          <a:chOff x="0" y="0"/>
+          <a:chExt cx="0" cy="0"/>
+        </a:xfrm>
+      </p:grpSpPr>
+      <p:sp>
+        <p:nvSpPr>
+          <p:cNvPr id="2" name="Title 1"/>
+          <p:cNvSpPr>
+            <a:spLocks noGrp="1"/>
+          </p:cNvSpPr>
+          <p:nvPr>
+            <p:ph type="title"/>
+          </p:nvPr>
+        </p:nvSpPr>
+        <p:spPr>
+          <a:xfrm>
+            <a:off x="304800" y="228600"/>
+            <a:ext cx="8686800" cy="838200"/>
+          </a:xfrm>
+        </p:spPr>
+        <p:txBody>
+          <a:bodyPr/>
+          <a:lstStyle/>
+          <a:p>
+            <a:pPr algn="ctr"/>
+            <a:r>
+              <a:rPr lang="en-US" dirty="0" smtClean="0"/>
+              <a:t>Spacing</a:t>
+            </a:r>
+            <a:endParaRPr lang="en-US" dirty="0"/>
+          </a:p>
+        </p:txBody>
+      </p:sp>
+      <p:pic>
+        <p:nvPicPr>
+          <p:cNvPr id="5" name="Content Placeholder 4"/>
+          <p:cNvPicPr>
+            <a:picLocks noGrp="1" noChangeAspect="1"/>
+          </p:cNvPicPr>
+          <p:nvPr>
+            <p:ph idx="1"/>
+          </p:nvPr>
+        </p:nvPicPr>
+        <p:blipFill>
+          <a:blip r:embed="rId2">
+            <a:extLst>
+              <a:ext uri="{28A0092B-C50C-407E-A947-70E740481C1C}">
+                <a14:useLocalDpi xmlns:a14="http://schemas.microsoft.com/office/drawing/2010/main" val="0"/>
+              </a:ext>
+            </a:extLst>
+          </a:blip>
+          <a:stretch>
+            <a:fillRect/>
+          </a:stretch>
+        </p:blipFill>
+        <p:spPr>
+          <a:xfrm>
+            <a:off x="1447800" y="1599037"/>
+            <a:ext cx="3581400" cy="4380893"/>
+          </a:xfrm>
+        </p:spPr>
+      </p:pic>
+      <p:sp>
+        <p:nvSpPr>
+          <p:cNvPr id="4" name="Slide Number Placeholder 3"/>
+          <p:cNvSpPr>
+            <a:spLocks noGrp="1"/>
+          </p:cNvSpPr>
+          <p:nvPr>
+            <p:ph type="sldNum" sz="quarter" idx="12"/>
+          </p:nvPr>
+        </p:nvSpPr>
+        <p:spPr/>
+        <p:txBody>
+          <a:bodyPr/>
+          <a:lstStyle/>
+          <a:p>
+            <a:fld id="{DB335474-1B1A-43B1-8350-506F2BC0CC50}" type="slidenum">
+              <a:rPr lang="en-US" smtClean="0"/>
+              <a:t>8</a:t>
+            </a:fld>
+            <a:endParaRPr lang="en-US" dirty="0"/>
+          </a:p>
+        </p:txBody>
+      </p:sp>
+      <p:pic>
+        <p:nvPicPr>
+          <p:cNvPr id="6" name="Picture 5"/>
+          <p:cNvPicPr>
+            <a:picLocks noChangeAspect="1"/>
+          </p:cNvPicPr>
+          <p:nvPr/>
+        </p:nvPicPr>
+        <p:blipFill>
+          <a:blip r:embed="rId3">
+            <a:extLst>
+              <a:ext uri="{28A0092B-C50C-407E-A947-70E740481C1C}">
+                <a14:useLocalDpi xmlns:a14="http://schemas.microsoft.com/office/drawing/2010/main" val="0"/>
+              </a:ext>
+            </a:extLst>
+          </a:blip>
+          <a:stretch>
+            <a:fillRect/>
+          </a:stretch>
+        </p:blipFill>
+        <p:spPr>
+          <a:xfrm>
+            <a:off x="5410200" y="2417885"/>
+            <a:ext cx="3531754" cy="2743199"/>
+          </a:xfrm>
+          <a:prstGeom prst="rect">
+            <a:avLst/>
+          </a:prstGeom>
+        </p:spPr>
+      </p:pic>
+    </p:spTree>
+    <p:extLst>
+      <p:ext uri="{BB962C8B-B14F-4D97-AF65-F5344CB8AC3E}">
+        <p14:creationId xmlns:p14="http://schemas.microsoft.com/office/powerpoint/2010/main" val="2643285782"/>
       </p:ext>
     </p:extLst>
   </p:cSld>
@@ -14512,21 +14378,108 @@
             <a:pPr algn="ctr"/>
             <a:r>
               <a:rPr lang="en-US" dirty="0" smtClean="0"/>
-              <a:t>Feature set</a:t>
+              <a:t>Spacing</a:t>
             </a:r>
             <a:endParaRPr lang="en-US" dirty="0"/>
+          </a:p>
+        </p:txBody>
+      </p:sp>
+      <p:sp>
+        <p:nvSpPr>
+          <p:cNvPr id="4" name="Slide Number Placeholder 3"/>
+          <p:cNvSpPr>
+            <a:spLocks noGrp="1"/>
+          </p:cNvSpPr>
+          <p:nvPr>
+            <p:ph type="sldNum" sz="quarter" idx="12"/>
+          </p:nvPr>
+        </p:nvSpPr>
+        <p:spPr/>
+        <p:txBody>
+          <a:bodyPr/>
+          <a:lstStyle/>
+          <a:p>
+            <a:fld id="{DB335474-1B1A-43B1-8350-506F2BC0CC50}" type="slidenum">
+              <a:rPr lang="en-US" smtClean="0"/>
+              <a:t>9</a:t>
+            </a:fld>
+            <a:endParaRPr lang="en-US" dirty="0"/>
+          </a:p>
+        </p:txBody>
+      </p:sp>
+      <p:sp>
+        <p:nvSpPr>
+          <p:cNvPr id="3" name="TextBox 2"/>
+          <p:cNvSpPr txBox="1"/>
+          <p:nvPr/>
+        </p:nvSpPr>
+        <p:spPr>
+          <a:xfrm>
+            <a:off x="3657600" y="3048000"/>
+            <a:ext cx="2514600" cy="523220"/>
+          </a:xfrm>
+          <a:prstGeom prst="rect">
+            <a:avLst/>
+          </a:prstGeom>
+          <a:noFill/>
+        </p:spPr>
+        <p:txBody>
+          <a:bodyPr wrap="square" rtlCol="0">
+            <a:spAutoFit/>
+          </a:bodyPr>
+          <a:lstStyle/>
+          <a:p>
+            <a:pPr algn="ctr"/>
+            <a:r>
+              <a:rPr lang="en-US" sz="2800" dirty="0"/>
+              <a:t>8</a:t>
+            </a:r>
+            <a:r>
+              <a:rPr lang="en-US" sz="2800" dirty="0" smtClean="0"/>
+              <a:t> spaces</a:t>
+            </a:r>
+            <a:endParaRPr lang="en-US" sz="2800" dirty="0"/>
+          </a:p>
+        </p:txBody>
+      </p:sp>
+      <p:sp>
+        <p:nvSpPr>
+          <p:cNvPr id="9" name="TextBox 8"/>
+          <p:cNvSpPr txBox="1"/>
+          <p:nvPr/>
+        </p:nvSpPr>
+        <p:spPr>
+          <a:xfrm>
+            <a:off x="3657600" y="4953000"/>
+            <a:ext cx="2514600" cy="523220"/>
+          </a:xfrm>
+          <a:prstGeom prst="rect">
+            <a:avLst/>
+          </a:prstGeom>
+          <a:noFill/>
+        </p:spPr>
+        <p:txBody>
+          <a:bodyPr wrap="square" rtlCol="0">
+            <a:spAutoFit/>
+          </a:bodyPr>
+          <a:lstStyle/>
+          <a:p>
+            <a:pPr algn="ctr"/>
+            <a:r>
+              <a:rPr lang="en-US" sz="2800" dirty="0" smtClean="0"/>
+              <a:t>3 spaces</a:t>
+            </a:r>
+            <a:endParaRPr lang="en-US" sz="2800" dirty="0"/>
           </a:p>
         </p:txBody>
       </p:sp>
       <p:pic>
         <p:nvPicPr>
-          <p:cNvPr id="5" name="Content Placeholder 4"/>
+          <p:cNvPr id="5" name="Picture 4"/>
           <p:cNvPicPr>
-            <a:picLocks noGrp="1" noChangeAspect="1"/>
+            <a:picLocks noChangeAspect="1"/>
           </p:cNvPicPr>
-          <p:nvPr>
-            <p:ph idx="1"/>
-          </p:nvPr>
+          <p:nvPr/>
         </p:nvPicPr>
         <p:blipFill>
           <a:blip r:embed="rId2">
@@ -14542,37 +14495,17 @@
         </p:blipFill>
         <p:spPr>
           <a:xfrm>
-            <a:off x="1447800" y="1599037"/>
-            <a:ext cx="3581400" cy="4380893"/>
+            <a:off x="1447800" y="2438400"/>
+            <a:ext cx="6558838" cy="609600"/>
           </a:xfrm>
+          <a:prstGeom prst="rect">
+            <a:avLst/>
+          </a:prstGeom>
         </p:spPr>
       </p:pic>
-      <p:sp>
-        <p:nvSpPr>
-          <p:cNvPr id="4" name="Slide Number Placeholder 3"/>
-          <p:cNvSpPr>
-            <a:spLocks noGrp="1"/>
-          </p:cNvSpPr>
-          <p:nvPr>
-            <p:ph type="sldNum" sz="quarter" idx="12"/>
-          </p:nvPr>
-        </p:nvSpPr>
-        <p:spPr/>
-        <p:txBody>
-          <a:bodyPr/>
-          <a:lstStyle/>
-          <a:p>
-            <a:fld id="{DB335474-1B1A-43B1-8350-506F2BC0CC50}" type="slidenum">
-              <a:rPr lang="en-US" smtClean="0"/>
-              <a:t>9</a:t>
-            </a:fld>
-            <a:endParaRPr lang="en-US" dirty="0"/>
-          </a:p>
-        </p:txBody>
-      </p:sp>
       <p:pic>
         <p:nvPicPr>
-          <p:cNvPr id="6" name="Picture 5"/>
+          <p:cNvPr id="10" name="Picture 9"/>
           <p:cNvPicPr>
             <a:picLocks noChangeAspect="1"/>
           </p:cNvPicPr>
@@ -14592,8 +14525,8 @@
         </p:blipFill>
         <p:spPr>
           <a:xfrm>
-            <a:off x="5410200" y="2417885"/>
-            <a:ext cx="3531754" cy="2743199"/>
+            <a:off x="1447800" y="4343400"/>
+            <a:ext cx="5264726" cy="609600"/>
           </a:xfrm>
           <a:prstGeom prst="rect">
             <a:avLst/>
@@ -14603,7 +14536,7 @@
     </p:spTree>
     <p:extLst>
       <p:ext uri="{BB962C8B-B14F-4D97-AF65-F5344CB8AC3E}">
-        <p14:creationId xmlns:p14="http://schemas.microsoft.com/office/powerpoint/2010/main" val="2643285782"/>
+        <p14:creationId xmlns:p14="http://schemas.microsoft.com/office/powerpoint/2010/main" val="441802193"/>
       </p:ext>
     </p:extLst>
   </p:cSld>
